--- a/database/slides/NICENE_CREED.pptx
+++ b/database/slides/NICENE_CREED.pptx
@@ -15837,13 +15837,19 @@
       </p:sp>
       <p:sp>
         <p:nvSpPr>
-          <p:cNvPr id="131" name="Google Shape;131;p25"/>
+          <p:cNvPr id="2" name="Google Shape;131;p25">
+            <a:extLst>
+              <a:ext uri="{FF2B5EF4-FFF2-40B4-BE49-F238E27FC236}">
+                <a16:creationId xmlns:a16="http://schemas.microsoft.com/office/drawing/2014/main" id="{8EA1E09F-580B-32F2-CE34-48EE4BEA2C92}"/>
+              </a:ext>
+            </a:extLst>
+          </p:cNvPr>
           <p:cNvSpPr txBox="1"/>
           <p:nvPr/>
         </p:nvSpPr>
         <p:spPr>
           <a:xfrm>
-            <a:off x="7595100" y="6357300"/>
+            <a:off x="7595050" y="6357300"/>
             <a:ext cx="1548900" cy="500700"/>
           </a:xfrm>
           <a:prstGeom prst="rect">
@@ -15886,6 +15892,12 @@
               </a:rPr>
               <a:t>contd..</a:t>
             </a:r>
+            <a:endParaRPr sz="3600" dirty="0">
+              <a:latin typeface="Calibri"/>
+              <a:ea typeface="Calibri"/>
+              <a:cs typeface="Calibri"/>
+              <a:sym typeface="Calibri"/>
+            </a:endParaRPr>
           </a:p>
         </p:txBody>
       </p:sp>
@@ -16043,13 +16055,19 @@
       </p:sp>
       <p:sp>
         <p:nvSpPr>
-          <p:cNvPr id="131" name="Google Shape;131;p25"/>
+          <p:cNvPr id="2" name="Google Shape;131;p25">
+            <a:extLst>
+              <a:ext uri="{FF2B5EF4-FFF2-40B4-BE49-F238E27FC236}">
+                <a16:creationId xmlns:a16="http://schemas.microsoft.com/office/drawing/2014/main" id="{DB6FEEBB-026E-F5A1-0B55-34FBB4008CDA}"/>
+              </a:ext>
+            </a:extLst>
+          </p:cNvPr>
           <p:cNvSpPr txBox="1"/>
           <p:nvPr/>
         </p:nvSpPr>
         <p:spPr>
           <a:xfrm>
-            <a:off x="7595100" y="6357300"/>
+            <a:off x="7595050" y="6357300"/>
             <a:ext cx="1548900" cy="500700"/>
           </a:xfrm>
           <a:prstGeom prst="rect">
@@ -16092,6 +16110,12 @@
               </a:rPr>
               <a:t>contd..</a:t>
             </a:r>
+            <a:endParaRPr sz="3600" dirty="0">
+              <a:latin typeface="Calibri"/>
+              <a:ea typeface="Calibri"/>
+              <a:cs typeface="Calibri"/>
+              <a:sym typeface="Calibri"/>
+            </a:endParaRPr>
           </a:p>
         </p:txBody>
       </p:sp>
@@ -16255,13 +16279,19 @@
       </p:sp>
       <p:sp>
         <p:nvSpPr>
-          <p:cNvPr id="131" name="Google Shape;131;p25"/>
+          <p:cNvPr id="2" name="Google Shape;131;p25">
+            <a:extLst>
+              <a:ext uri="{FF2B5EF4-FFF2-40B4-BE49-F238E27FC236}">
+                <a16:creationId xmlns:a16="http://schemas.microsoft.com/office/drawing/2014/main" id="{AA216D17-4B6E-F778-C7EE-84B2E9A10695}"/>
+              </a:ext>
+            </a:extLst>
+          </p:cNvPr>
           <p:cNvSpPr txBox="1"/>
           <p:nvPr/>
         </p:nvSpPr>
         <p:spPr>
           <a:xfrm>
-            <a:off x="7595100" y="6357300"/>
+            <a:off x="7595050" y="6357300"/>
             <a:ext cx="1548900" cy="500700"/>
           </a:xfrm>
           <a:prstGeom prst="rect">
@@ -16304,6 +16334,12 @@
               </a:rPr>
               <a:t>contd..</a:t>
             </a:r>
+            <a:endParaRPr sz="3600" dirty="0">
+              <a:latin typeface="Calibri"/>
+              <a:ea typeface="Calibri"/>
+              <a:cs typeface="Calibri"/>
+              <a:sym typeface="Calibri"/>
+            </a:endParaRPr>
           </a:p>
         </p:txBody>
       </p:sp>

--- a/database/slides/NICENE_CREED.pptx
+++ b/database/slides/NICENE_CREED.pptx
@@ -15819,7 +15819,7 @@
               <a:buNone/>
             </a:pPr>
             <a:r>
-              <a:rPr lang="en-US" sz="4000" b="1" strike="noStrike" spc="-1" dirty="0">
+              <a:rPr lang="en-US" sz="4100" b="1" strike="noStrike" spc="-1" dirty="0">
                 <a:solidFill>
                   <a:srgbClr val="FFFFFF"/>
                 </a:solidFill>
@@ -15827,7 +15827,7 @@
               </a:rPr>
               <a:t>I believe in one God, the Father almighty, maker of heaven and earth, of all things visible and invisible. I believe in one Lord Jesus Christ, the only begotten Son of God, born of the Father before all ages. God from God, light from light, true God from true God, begotten not made consubstantial with the Father; through him all things were made.</a:t>
             </a:r>
-            <a:endParaRPr lang="en-US" sz="4000" b="1" dirty="0">
+            <a:endParaRPr lang="en-US" sz="4100" b="1" dirty="0">
               <a:solidFill>
                 <a:schemeClr val="bg1"/>
               </a:solidFill>
@@ -16016,7 +16016,7 @@
               <a:buNone/>
             </a:pPr>
             <a:r>
-              <a:rPr lang="en-US" sz="4000" b="1" strike="noStrike" spc="-1" dirty="0">
+              <a:rPr lang="en-US" sz="4200" b="1" strike="noStrike" spc="-1" dirty="0">
                 <a:solidFill>
                   <a:srgbClr val="FFFFFF"/>
                 </a:solidFill>
@@ -16024,12 +16024,6 @@
               </a:rPr>
               <a:t>For us men and for our salvation he came down from heaven, and by the Holy Spirit was incarnate of the Virgin Mary, and became man.</a:t>
             </a:r>
-            <a:endParaRPr lang="en-US" sz="2400" b="1" strike="noStrike" spc="-1" dirty="0">
-              <a:solidFill>
-                <a:srgbClr val="FFFFFF"/>
-              </a:solidFill>
-              <a:latin typeface="Calibri"/>
-            </a:endParaRPr>
           </a:p>
           <a:p>
             <a:pPr marL="114300" indent="0">
@@ -16039,15 +16033,15 @@
               <a:buNone/>
             </a:pPr>
             <a:r>
-              <a:rPr lang="en-US" sz="4000" b="1" strike="noStrike" spc="-1" dirty="0">
+              <a:rPr lang="en-US" sz="4200" b="1" strike="noStrike" spc="-1" dirty="0">
                 <a:solidFill>
                   <a:srgbClr val="FFFFFF"/>
                 </a:solidFill>
                 <a:latin typeface="Calibri"/>
               </a:rPr>
-              <a:t>For our sake he was crucified under Pontius Pilate, He suffered death and was buried, and rose again on the third day in accordance with the Scriptures. He ascended into heaven and is seated at the right hand of the Father. </a:t>
+              <a:t>For our sake he was crucified under Pontius Pilate, He suffered death and was buried, and rose again on the third day in accordance with the Scriptures. </a:t>
             </a:r>
-            <a:endParaRPr lang="en-US" sz="4000" b="0" strike="noStrike" spc="-1" dirty="0">
+            <a:endParaRPr lang="en-US" sz="4200" b="0" strike="noStrike" spc="-1" dirty="0">
               <a:latin typeface="Arial"/>
             </a:endParaRPr>
           </a:p>
@@ -16239,15 +16233,15 @@
               <a:buNone/>
             </a:pPr>
             <a:r>
-              <a:rPr lang="en-US" sz="4000" b="1" strike="noStrike" spc="-1" dirty="0">
+              <a:rPr lang="en-US" sz="4200" b="1" strike="noStrike" spc="-1" dirty="0">
                 <a:solidFill>
                   <a:srgbClr val="FFFFFF"/>
                 </a:solidFill>
                 <a:latin typeface="Calibri"/>
               </a:rPr>
-              <a:t>He will come again in glory to judge the living and the dead and his kingdom will have no end. </a:t>
+              <a:t>He ascended into heaven and is seated at the right hand of the Father. He will come again in glory to judge the living and the dead and his kingdom will have no end. </a:t>
             </a:r>
-            <a:endParaRPr lang="en-US" sz="2400" b="1" spc="-1" dirty="0">
+            <a:endParaRPr lang="en-US" sz="4200" b="1" spc="-1" dirty="0">
               <a:solidFill>
                 <a:srgbClr val="FFFFFF"/>
               </a:solidFill>
@@ -16261,15 +16255,15 @@
               <a:buNone/>
             </a:pPr>
             <a:r>
-              <a:rPr lang="en-US" sz="4000" b="1" strike="noStrike" spc="-1" dirty="0">
+              <a:rPr lang="en-US" sz="4200" b="1" strike="noStrike" spc="-1" dirty="0">
                 <a:solidFill>
                   <a:srgbClr val="FFFFFF"/>
                 </a:solidFill>
                 <a:latin typeface="Calibri"/>
               </a:rPr>
-              <a:t>I believe in the Holy Spirit, the Lord, the giver of life, who proceeds from the Father and the Son, who with the Father and the Son is adored and glorified, who has spoken through the prophets. I believe in one, holy, catholic and apostolic Church,</a:t>
+              <a:t>I believe in the Holy Spirit, the Lord, the giver of life, who proceeds from the Father and the Son, who with the Father and the Son is adored and </a:t>
             </a:r>
-            <a:endParaRPr lang="en-US" sz="4000" b="1" dirty="0">
+            <a:endParaRPr lang="en-US" sz="4200" b="1" dirty="0">
               <a:solidFill>
                 <a:schemeClr val="bg1"/>
               </a:solidFill>
@@ -16463,15 +16457,24 @@
               <a:buNone/>
             </a:pPr>
             <a:r>
-              <a:rPr lang="en-US" sz="4000" b="1" strike="noStrike" spc="-1" dirty="0">
+              <a:rPr lang="en-US" sz="4200" b="1" strike="noStrike" spc="-1">
                 <a:solidFill>
                   <a:srgbClr val="FFFFFF"/>
                 </a:solidFill>
                 <a:latin typeface="Calibri"/>
               </a:rPr>
-              <a:t>I confess one baptism for the forgiveness of sins and I look forward to the resurrection of the dead and the life of the world to come. Amen.</a:t>
+              <a:t>glorified</a:t>
             </a:r>
-            <a:endParaRPr lang="en-US" sz="4000" b="0" strike="noStrike" spc="-1" dirty="0">
+            <a:r>
+              <a:rPr lang="en-US" sz="4200" b="1" strike="noStrike" spc="-1" dirty="0">
+                <a:solidFill>
+                  <a:srgbClr val="FFFFFF"/>
+                </a:solidFill>
+                <a:latin typeface="Calibri"/>
+              </a:rPr>
+              <a:t>, who has spoken through the prophets. I believe in one, holy, catholic and apostolic Church, I confess one baptism for the forgiveness of sins and I look forward to the resurrection of the dead and the life of the world to come. Amen.</a:t>
+            </a:r>
+            <a:endParaRPr lang="en-US" sz="4200" b="0" strike="noStrike" spc="-1" dirty="0">
               <a:latin typeface="Arial"/>
             </a:endParaRPr>
           </a:p>

--- a/database/slides/NICENE_CREED.pptx
+++ b/database/slides/NICENE_CREED.pptx
@@ -16261,7 +16261,7 @@
                 </a:solidFill>
                 <a:latin typeface="Calibri"/>
               </a:rPr>
-              <a:t>I believe in the Holy Spirit, the Lord, the giver of life, who proceeds from the Father and the Son, who with the Father and the Son is adored and </a:t>
+              <a:t>I believe in the Holy Spirit, the Lord, the giver of life, who proceeds from the Father and the Son,</a:t>
             </a:r>
             <a:endParaRPr lang="en-US" sz="4200" b="1" dirty="0">
               <a:solidFill>
@@ -16463,7 +16463,7 @@
                 </a:solidFill>
                 <a:latin typeface="Calibri"/>
               </a:rPr>
-              <a:t>glorified</a:t>
+              <a:t>who with the Father and the Son is adored and glorified</a:t>
             </a:r>
             <a:r>
               <a:rPr lang="en-US" sz="4200" b="1" strike="noStrike" spc="-1" dirty="0">
